--- a/SolutionPresentation.pptx
+++ b/SolutionPresentation.pptx
@@ -255,6 +255,11 @@
       </a:defRPr>
     </a:lvl9pPr>
   </p:defaultTextStyle>
+  <p:extLst>
+    <p:ext uri="{EFAFB233-063F-42B5-8137-9DF3F51BA10A}">
+      <p15:sldGuideLst xmlns:p15="http://schemas.microsoft.com/office/powerpoint/2012/main"/>
+    </p:ext>
+  </p:extLst>
 </p:presentation>
 </file>
 
@@ -463,6 +468,11 @@
         </p:txBody>
       </p:sp>
     </p:spTree>
+    <p:extLst>
+      <p:ext uri="{BB962C8B-B14F-4D97-AF65-F5344CB8AC3E}">
+        <p14:creationId xmlns:p14="http://schemas.microsoft.com/office/powerpoint/2010/main" val="3258783657"/>
+      </p:ext>
+    </p:extLst>
   </p:cSld>
   <p:clrMap bg1="lt1" tx1="dk1" bg2="dk2" tx2="lt2" accent1="accent1" accent2="accent2" accent3="accent3" accent4="accent4" accent5="accent5" accent6="accent6" hlink="hlink" folHlink="folHlink"/>
   <p:notesStyle>
@@ -814,8 +824,8 @@
         </p:nvSpPr>
         <p:spPr>
           <a:xfrm>
-            <a:off x="1260175" y="801875"/>
-            <a:ext cx="5040025" cy="4009425"/>
+            <a:off x="1108075" y="801688"/>
+            <a:ext cx="5345113" cy="4010025"/>
           </a:xfrm>
           <a:custGeom>
             <a:avLst/>
@@ -844,6 +854,11 @@
         </p:spPr>
       </p:sp>
     </p:spTree>
+    <p:extLst>
+      <p:ext uri="{BB962C8B-B14F-4D97-AF65-F5344CB8AC3E}">
+        <p14:creationId xmlns:p14="http://schemas.microsoft.com/office/powerpoint/2010/main" val="1348165420"/>
+      </p:ext>
+    </p:extLst>
   </p:cSld>
   <p:clrMapOvr>
     <a:masterClrMapping/>
@@ -1275,6 +1290,11 @@
         </p:spPr>
       </p:sp>
     </p:spTree>
+    <p:extLst>
+      <p:ext uri="{BB962C8B-B14F-4D97-AF65-F5344CB8AC3E}">
+        <p14:creationId xmlns:p14="http://schemas.microsoft.com/office/powerpoint/2010/main" val="1395374013"/>
+      </p:ext>
+    </p:extLst>
   </p:cSld>
   <p:clrMapOvr>
     <a:masterClrMapping/>
@@ -1349,8 +1369,8 @@
         </p:nvSpPr>
         <p:spPr>
           <a:xfrm>
-            <a:off x="1260175" y="801875"/>
-            <a:ext cx="5040025" cy="4009425"/>
+            <a:off x="1108075" y="801688"/>
+            <a:ext cx="5345113" cy="4010025"/>
           </a:xfrm>
           <a:custGeom>
             <a:avLst/>
@@ -1379,6 +1399,11 @@
         </p:spPr>
       </p:sp>
     </p:spTree>
+    <p:extLst>
+      <p:ext uri="{BB962C8B-B14F-4D97-AF65-F5344CB8AC3E}">
+        <p14:creationId xmlns:p14="http://schemas.microsoft.com/office/powerpoint/2010/main" val="651558210"/>
+      </p:ext>
+    </p:extLst>
   </p:cSld>
   <p:clrMapOvr>
     <a:masterClrMapping/>
@@ -1483,6 +1508,11 @@
         </p:spPr>
       </p:sp>
     </p:spTree>
+    <p:extLst>
+      <p:ext uri="{BB962C8B-B14F-4D97-AF65-F5344CB8AC3E}">
+        <p14:creationId xmlns:p14="http://schemas.microsoft.com/office/powerpoint/2010/main" val="149465673"/>
+      </p:ext>
+    </p:extLst>
   </p:cSld>
   <p:clrMapOvr>
     <a:masterClrMapping/>
@@ -1805,6 +1835,11 @@
         </p:spPr>
       </p:sp>
     </p:spTree>
+    <p:extLst>
+      <p:ext uri="{BB962C8B-B14F-4D97-AF65-F5344CB8AC3E}">
+        <p14:creationId xmlns:p14="http://schemas.microsoft.com/office/powerpoint/2010/main" val="284330527"/>
+      </p:ext>
+    </p:extLst>
   </p:cSld>
   <p:clrMapOvr>
     <a:masterClrMapping/>
@@ -2018,6 +2053,11 @@
         </p:spPr>
       </p:sp>
     </p:spTree>
+    <p:extLst>
+      <p:ext uri="{BB962C8B-B14F-4D97-AF65-F5344CB8AC3E}">
+        <p14:creationId xmlns:p14="http://schemas.microsoft.com/office/powerpoint/2010/main" val="3015723055"/>
+      </p:ext>
+    </p:extLst>
   </p:cSld>
   <p:clrMapOvr>
     <a:masterClrMapping/>
@@ -2231,6 +2271,11 @@
         </p:spPr>
       </p:sp>
     </p:spTree>
+    <p:extLst>
+      <p:ext uri="{BB962C8B-B14F-4D97-AF65-F5344CB8AC3E}">
+        <p14:creationId xmlns:p14="http://schemas.microsoft.com/office/powerpoint/2010/main" val="3272439517"/>
+      </p:ext>
+    </p:extLst>
   </p:cSld>
   <p:clrMapOvr>
     <a:masterClrMapping/>
@@ -13937,7 +13982,7 @@
               <a:buNone/>
             </a:pPr>
             <a:r>
-              <a:rPr lang="en-IN" sz="4000" b="1">
+              <a:rPr lang="en-IN" sz="4000" b="1" dirty="0">
                 <a:solidFill>
                   <a:srgbClr val="FFFFFF"/>
                 </a:solidFill>
@@ -13948,7 +13993,7 @@
               </a:rPr>
               <a:t>Machine Learning</a:t>
             </a:r>
-            <a:endParaRPr sz="1800" b="0" i="0" u="none" strike="noStrike" cap="none">
+            <a:endParaRPr sz="1800" b="0" i="0" u="none" strike="noStrike" cap="none" dirty="0">
               <a:solidFill>
                 <a:srgbClr val="000000"/>
               </a:solidFill>
@@ -13972,7 +14017,7 @@
               <a:buNone/>
             </a:pPr>
             <a:r>
-              <a:rPr lang="en-IN" sz="4000" b="1" i="0" u="none" strike="noStrike" cap="none">
+              <a:rPr lang="en-US" sz="4000" b="1" i="0" u="none" strike="noStrike" cap="none" dirty="0" smtClean="0">
                 <a:solidFill>
                   <a:srgbClr val="FFFFFF"/>
                 </a:solidFill>
@@ -13981,9 +14026,9 @@
                 <a:cs typeface="Century Schoolbook"/>
                 <a:sym typeface="Century Schoolbook"/>
               </a:rPr>
-              <a:t>[Presentation Topic]</a:t>
+              <a:t>L-1 Support Automation with NLP</a:t>
             </a:r>
-            <a:endParaRPr sz="1800" b="0" i="0" u="none" strike="noStrike" cap="none">
+            <a:endParaRPr sz="1800" b="0" i="0" u="none" strike="noStrike" cap="none" dirty="0">
               <a:solidFill>
                 <a:srgbClr val="000000"/>
               </a:solidFill>
@@ -14006,7 +14051,7 @@
               </a:spcAft>
               <a:buNone/>
             </a:pPr>
-            <a:endParaRPr sz="1800" b="0" i="0" u="none" strike="noStrike" cap="none">
+            <a:endParaRPr sz="1800" b="0" i="0" u="none" strike="noStrike" cap="none" dirty="0">
               <a:solidFill>
                 <a:srgbClr val="000000"/>
               </a:solidFill>
@@ -14026,6 +14071,13 @@
   <p:transition spd="slow">
     <p:fade thruBlk="1"/>
   </p:transition>
+  <p:timing>
+    <p:tnLst>
+      <p:par>
+        <p:cTn id="1" dur="indefinite" restart="never" nodeType="tmRoot"/>
+      </p:par>
+    </p:tnLst>
+  </p:timing>
 </p:sld>
 </file>
 
@@ -14463,18 +14515,74 @@
           </a:bodyPr>
           <a:lstStyle/>
           <a:p>
-            <a:pPr algn="ctr"/>
             <a:r>
               <a:rPr lang="en-US" dirty="0" smtClean="0">
                 <a:solidFill>
                   <a:schemeClr val="bg1"/>
                 </a:solidFill>
               </a:rPr>
-              <a:t>Add Text here</a:t>
+              <a:t>Data Preprocessing</a:t>
             </a:r>
-          </a:p>
-          <a:p>
-            <a:endParaRPr lang="en-US" dirty="0">
+            <a:r>
+              <a:rPr lang="en-US" dirty="0">
+                <a:solidFill>
+                  <a:schemeClr val="bg1"/>
+                </a:solidFill>
+              </a:rPr>
+              <a:t>: </a:t>
+            </a:r>
+            <a:r>
+              <a:rPr lang="en-US" dirty="0">
+                <a:solidFill>
+                  <a:schemeClr val="bg1"/>
+                </a:solidFill>
+                <a:hlinkClick r:id="rId4"/>
+              </a:rPr>
+              <a:t>https://github.com/arkahome/im-ml/blob/master/Data_Preprocessing.ipynb</a:t>
+            </a:r>
+            <a:endParaRPr lang="en-US" dirty="0" smtClean="0">
+              <a:solidFill>
+                <a:schemeClr val="bg1"/>
+              </a:solidFill>
+            </a:endParaRPr>
+          </a:p>
+          <a:p>
+            <a:r>
+              <a:rPr lang="en-US" dirty="0" smtClean="0">
+                <a:solidFill>
+                  <a:schemeClr val="bg1"/>
+                </a:solidFill>
+              </a:rPr>
+              <a:t>Solution: </a:t>
+            </a:r>
+            <a:r>
+              <a:rPr lang="en-US" dirty="0" smtClean="0">
+                <a:solidFill>
+                  <a:schemeClr val="bg1"/>
+                </a:solidFill>
+                <a:hlinkClick r:id="rId5"/>
+              </a:rPr>
+              <a:t>https</a:t>
+            </a:r>
+            <a:r>
+              <a:rPr lang="en-US" dirty="0">
+                <a:solidFill>
+                  <a:schemeClr val="bg1"/>
+                </a:solidFill>
+                <a:hlinkClick r:id="rId5"/>
+              </a:rPr>
+              <a:t>://</a:t>
+            </a:r>
+            <a:r>
+              <a:rPr lang="en-US" dirty="0" smtClean="0">
+                <a:solidFill>
+                  <a:schemeClr val="bg1"/>
+                </a:solidFill>
+                <a:hlinkClick r:id="rId5"/>
+              </a:rPr>
+              <a:t>github.com/arkahome/im-ml/blob/master/Solution.ipynb</a:t>
+            </a:r>
+            <a:endParaRPr lang="en-US" dirty="0" smtClean="0">
               <a:solidFill>
                 <a:schemeClr val="bg1"/>
               </a:solidFill>
@@ -14812,7 +14920,7 @@
         <p:spPr>
           <a:xfrm>
             <a:off x="800100" y="2082960"/>
-            <a:ext cx="8699500" cy="3323987"/>
+            <a:ext cx="8699500" cy="3539430"/>
           </a:xfrm>
           <a:prstGeom prst="rect">
             <a:avLst/>
@@ -14831,8 +14939,21 @@
                   <a:schemeClr val="bg1"/>
                 </a:solidFill>
               </a:rPr>
-              <a:t>GIT URL:</a:t>
+              <a:t>GIT URL</a:t>
             </a:r>
+            <a:r>
+              <a:rPr lang="en-US" dirty="0">
+                <a:solidFill>
+                  <a:schemeClr val="bg1"/>
+                </a:solidFill>
+              </a:rPr>
+              <a:t>: https://github.com/arkahome/im-ml</a:t>
+            </a:r>
+            <a:endParaRPr lang="en-US" dirty="0" smtClean="0">
+              <a:solidFill>
+                <a:schemeClr val="bg1"/>
+              </a:solidFill>
+            </a:endParaRPr>
           </a:p>
           <a:p>
             <a:endParaRPr lang="en-US" dirty="0" smtClean="0">
@@ -14848,7 +14969,84 @@
                   <a:schemeClr val="bg1"/>
                 </a:solidFill>
               </a:rPr>
-              <a:t>Compile Instructions:</a:t>
+              <a:t>Compile Instructions: Just clone the repository and  run the </a:t>
+            </a:r>
+            <a:r>
+              <a:rPr lang="en-US" dirty="0" err="1" smtClean="0">
+                <a:solidFill>
+                  <a:schemeClr val="bg1"/>
+                </a:solidFill>
+                <a:hlinkClick r:id="rId4" tooltip="Solution.ipynb"/>
+              </a:rPr>
+              <a:t>Solution.ipynb</a:t>
+            </a:r>
+            <a:r>
+              <a:rPr lang="en-US" dirty="0" smtClean="0">
+                <a:solidFill>
+                  <a:schemeClr val="bg1"/>
+                </a:solidFill>
+              </a:rPr>
+              <a:t> </a:t>
+            </a:r>
+            <a:r>
+              <a:rPr lang="en-US" dirty="0" smtClean="0"/>
+              <a:t> </a:t>
+            </a:r>
+            <a:r>
+              <a:rPr lang="en-US" dirty="0" smtClean="0">
+                <a:solidFill>
+                  <a:schemeClr val="bg1"/>
+                </a:solidFill>
+              </a:rPr>
+              <a:t>file. (You have to install </a:t>
+            </a:r>
+            <a:r>
+              <a:rPr lang="en-US" dirty="0" err="1" smtClean="0">
+                <a:solidFill>
+                  <a:schemeClr val="bg1"/>
+                </a:solidFill>
+              </a:rPr>
+              <a:t>nltk</a:t>
+            </a:r>
+            <a:r>
+              <a:rPr lang="en-US" dirty="0" smtClean="0">
+                <a:solidFill>
+                  <a:schemeClr val="bg1"/>
+                </a:solidFill>
+              </a:rPr>
+              <a:t> if it is not earlier. Just install </a:t>
+            </a:r>
+            <a:r>
+              <a:rPr lang="en-US" dirty="0" err="1" smtClean="0">
+                <a:solidFill>
+                  <a:schemeClr val="bg1"/>
+                </a:solidFill>
+              </a:rPr>
+              <a:t>nltk</a:t>
+            </a:r>
+            <a:r>
+              <a:rPr lang="en-US" dirty="0" smtClean="0">
+                <a:solidFill>
+                  <a:schemeClr val="bg1"/>
+                </a:solidFill>
+              </a:rPr>
+              <a:t> and run </a:t>
+            </a:r>
+            <a:r>
+              <a:rPr lang="en-US" dirty="0" err="1" smtClean="0">
+                <a:solidFill>
+                  <a:schemeClr val="bg1"/>
+                </a:solidFill>
+              </a:rPr>
+              <a:t>nltk.download</a:t>
+            </a:r>
+            <a:r>
+              <a:rPr lang="en-US" dirty="0" smtClean="0">
+                <a:solidFill>
+                  <a:schemeClr val="bg1"/>
+                </a:solidFill>
+              </a:rPr>
+              <a:t>(). It will open a pop up. Form there download everything.)</a:t>
             </a:r>
           </a:p>
           <a:p>
@@ -15176,14 +15374,14 @@
           <p:nvPr>
             <p:extLst>
               <p:ext uri="{D42A27DB-BD31-4B8C-83A1-F6EECF244321}">
-                <p14:modId xmlns:p14="http://schemas.microsoft.com/office/powerpoint/2010/main" val="235932939"/>
+                <p14:modId xmlns:p14="http://schemas.microsoft.com/office/powerpoint/2010/main" val="3206643657"/>
               </p:ext>
             </p:extLst>
           </p:nvPr>
         </p:nvGraphicFramePr>
         <p:xfrm>
           <a:off x="956204" y="2435240"/>
-          <a:ext cx="8365596" cy="2001520"/>
+          <a:ext cx="8365596" cy="3723640"/>
         </p:xfrm>
         <a:graphic>
           <a:graphicData uri="http://schemas.openxmlformats.org/drawingml/2006/table">
@@ -15259,7 +15457,15 @@
                     <a:bodyPr/>
                     <a:lstStyle/>
                     <a:p>
-                      <a:endParaRPr lang="en-US"/>
+                      <a:r>
+                        <a:rPr lang="en-US" dirty="0" smtClean="0"/>
+                        <a:t>Just</a:t>
+                      </a:r>
+                      <a:r>
+                        <a:rPr lang="en-US" baseline="0" dirty="0" smtClean="0"/>
+                        <a:t> checked for all the outputs and other outputs from sample inputs.</a:t>
+                      </a:r>
+                      <a:endParaRPr lang="en-US" dirty="0"/>
                     </a:p>
                   </a:txBody>
                   <a:tcPr/>
@@ -15293,7 +15499,15 @@
                     <a:bodyPr/>
                     <a:lstStyle/>
                     <a:p>
-                      <a:endParaRPr lang="en-US"/>
+                      <a:r>
+                        <a:rPr lang="en-US" dirty="0" smtClean="0"/>
+                        <a:t>My</a:t>
+                      </a:r>
+                      <a:r>
+                        <a:rPr lang="en-US" baseline="0" dirty="0" smtClean="0"/>
+                        <a:t> solution is totally usable for this scenario and a lot of other scenarios. </a:t>
+                      </a:r>
+                      <a:endParaRPr lang="en-US" dirty="0"/>
                     </a:p>
                   </a:txBody>
                   <a:tcPr/>
@@ -15327,6 +15541,14 @@
                     <a:bodyPr/>
                     <a:lstStyle/>
                     <a:p>
+                      <a:r>
+                        <a:rPr lang="en-US" dirty="0" smtClean="0"/>
+                        <a:t>This is a basic application with</a:t>
+                      </a:r>
+                      <a:r>
+                        <a:rPr lang="en-US" baseline="0" dirty="0" smtClean="0"/>
+                        <a:t> the framework of building models like this(completed in 6 hours with most time spent in data preprocessing)</a:t>
+                      </a:r>
                       <a:endParaRPr lang="en-US" dirty="0"/>
                     </a:p>
                   </a:txBody>
@@ -15360,6 +15582,36 @@
                   <a:txBody>
                     <a:bodyPr/>
                     <a:lstStyle/>
+                    <a:p>
+                      <a:pPr marL="0" marR="0" lvl="0" indent="0" algn="l" defTabSz="914400" rtl="0" eaLnBrk="1" fontAlgn="auto" latinLnBrk="0" hangingPunct="1">
+                        <a:lnSpc>
+                          <a:spcPct val="100000"/>
+                        </a:lnSpc>
+                        <a:spcBef>
+                          <a:spcPts val="0"/>
+                        </a:spcBef>
+                        <a:spcAft>
+                          <a:spcPts val="0"/>
+                        </a:spcAft>
+                        <a:buClr>
+                          <a:srgbClr val="000000"/>
+                        </a:buClr>
+                        <a:buSzTx/>
+                        <a:buFont typeface="Arial"/>
+                        <a:buNone/>
+                        <a:tabLst/>
+                        <a:defRPr/>
+                      </a:pPr>
+                      <a:r>
+                        <a:rPr lang="en-US" dirty="0" smtClean="0"/>
+                        <a:t>The more user</a:t>
+                      </a:r>
+                      <a:r>
+                        <a:rPr lang="en-US" baseline="0" dirty="0" smtClean="0"/>
+                        <a:t> search we get the more we understand the user behavior. With more data and more exploration of the queries that the model fails to recognize, we feed those queries to out synonym dictionary and from next time onwards it won’t fail for such situations.</a:t>
+                      </a:r>
+                      <a:endParaRPr lang="en-US" dirty="0" smtClean="0"/>
+                    </a:p>
                     <a:p>
                       <a:endParaRPr lang="en-US" dirty="0"/>
                     </a:p>
@@ -15621,7 +15873,7 @@
         <p:spPr>
           <a:xfrm>
             <a:off x="800100" y="2082960"/>
-            <a:ext cx="8699500" cy="3539430"/>
+            <a:ext cx="7998460" cy="3754874"/>
           </a:xfrm>
           <a:prstGeom prst="rect">
             <a:avLst/>
@@ -15634,17 +15886,14 @@
           </a:bodyPr>
           <a:lstStyle/>
           <a:p>
-            <a:pPr algn="ctr"/>
             <a:r>
               <a:rPr lang="en-US" dirty="0" smtClean="0">
                 <a:solidFill>
                   <a:schemeClr val="bg1"/>
                 </a:solidFill>
               </a:rPr>
-              <a:t>Add Text here</a:t>
+              <a:t>More query data is needed for checking and tuning the model. The more query data will be provided. The better this model will be by including the words that is out of scope of our model, but the users are using to our synonym dictionary.</a:t>
             </a:r>
-          </a:p>
-          <a:p>
             <a:endParaRPr lang="en-US" dirty="0">
               <a:solidFill>
                 <a:schemeClr val="bg1"/>
@@ -15999,7 +16248,7 @@
         </p:nvSpPr>
         <p:spPr>
           <a:xfrm>
-            <a:off x="503640" y="791640"/>
+            <a:off x="325620" y="791640"/>
             <a:ext cx="9138240" cy="4962600"/>
           </a:xfrm>
           <a:prstGeom prst="rect">
@@ -16182,62 +16431,18 @@
           </a:bodyPr>
           <a:lstStyle/>
           <a:p>
-            <a:pPr marL="0" marR="0" lvl="0" indent="0" algn="l" rtl="0">
-              <a:lnSpc>
-                <a:spcPct val="100000"/>
-              </a:lnSpc>
-              <a:spcBef>
-                <a:spcPts val="0"/>
-              </a:spcBef>
-              <a:spcAft>
-                <a:spcPts val="0"/>
-              </a:spcAft>
-              <a:buNone/>
-            </a:pPr>
             <a:r>
-              <a:rPr lang="en-IN" sz="3600" b="1" i="0" u="none" strike="noStrike" cap="none" dirty="0" smtClean="0">
-                <a:solidFill>
-                  <a:srgbClr val="FFFFFF"/>
-                </a:solidFill>
-                <a:latin typeface="Arial"/>
-                <a:ea typeface="Arial"/>
-                <a:cs typeface="Arial"/>
-                <a:sym typeface="Arial"/>
-              </a:rPr>
-              <a:t>About You</a:t>
-            </a:r>
-          </a:p>
-          <a:p>
-            <a:r>
-              <a:rPr lang="en-IN" dirty="0" smtClean="0">
+              <a:rPr lang="en-US" sz="2000" b="1" dirty="0" smtClean="0">
                 <a:solidFill>
                   <a:srgbClr val="FFFFFF"/>
                 </a:solidFill>
               </a:rPr>
-              <a:t>A few words about you. What do you do, Where do you work, what are your interests..</a:t>
+              <a:t>About Me</a:t>
             </a:r>
-            <a:endParaRPr lang="en-IN" dirty="0"/>
-          </a:p>
-          <a:p>
-            <a:pPr marL="0" marR="0" lvl="0" indent="0" algn="l" rtl="0">
-              <a:lnSpc>
-                <a:spcPct val="100000"/>
-              </a:lnSpc>
-              <a:spcBef>
-                <a:spcPts val="0"/>
-              </a:spcBef>
-              <a:spcAft>
-                <a:spcPts val="0"/>
-              </a:spcAft>
-              <a:buNone/>
-            </a:pPr>
-            <a:endParaRPr sz="1800" b="0" i="0" u="none" strike="noStrike" cap="none" dirty="0">
+            <a:endParaRPr sz="2000" b="1" i="0" u="none" strike="noStrike" cap="none" dirty="0">
               <a:solidFill>
                 <a:srgbClr val="000000"/>
               </a:solidFill>
-              <a:latin typeface="Arial"/>
-              <a:ea typeface="Arial"/>
-              <a:cs typeface="Arial"/>
               <a:sym typeface="Arial"/>
             </a:endParaRPr>
           </a:p>
@@ -16324,8 +16529,8 @@
         </p:nvSpPr>
         <p:spPr>
           <a:xfrm>
-            <a:off x="800100" y="2082960"/>
-            <a:ext cx="8699500" cy="3539430"/>
+            <a:off x="3792625" y="1093731"/>
+            <a:ext cx="5371696" cy="3754874"/>
           </a:xfrm>
           <a:prstGeom prst="rect">
             <a:avLst/>
@@ -16338,17 +16543,34 @@
           </a:bodyPr>
           <a:lstStyle/>
           <a:p>
-            <a:pPr algn="ctr"/>
+            <a:pPr marL="285750" indent="-285750">
+              <a:buFontTx/>
+              <a:buChar char="-"/>
+            </a:pPr>
             <a:r>
               <a:rPr lang="en-US" dirty="0" smtClean="0">
                 <a:solidFill>
                   <a:schemeClr val="bg1"/>
                 </a:solidFill>
               </a:rPr>
-              <a:t>Add Text here</a:t>
+              <a:t>Winner(2</a:t>
             </a:r>
-          </a:p>
-          <a:p>
+            <a:r>
+              <a:rPr lang="en-US" baseline="30000" dirty="0" smtClean="0">
+                <a:solidFill>
+                  <a:schemeClr val="bg1"/>
+                </a:solidFill>
+              </a:rPr>
+              <a:t>nd</a:t>
+            </a:r>
+            <a:r>
+              <a:rPr lang="en-US" dirty="0" smtClean="0">
+                <a:solidFill>
+                  <a:schemeClr val="bg1"/>
+                </a:solidFill>
+              </a:rPr>
+              <a:t>) of Capgemini Organized Global Data Science Challenge, where I made a Reference Recommender System based and TF-IDF and Cosine similarity and other extracted Features. </a:t>
+            </a:r>
             <a:endParaRPr lang="en-US" dirty="0">
               <a:solidFill>
                 <a:schemeClr val="bg1"/>
@@ -16356,6 +16578,44 @@
             </a:endParaRPr>
           </a:p>
           <a:p>
+            <a:pPr marL="285750" indent="-285750">
+              <a:buFontTx/>
+              <a:buChar char="-"/>
+            </a:pPr>
+            <a:r>
+              <a:rPr lang="en-US" dirty="0" err="1" smtClean="0">
+                <a:solidFill>
+                  <a:schemeClr val="bg1"/>
+                </a:solidFill>
+              </a:rPr>
+              <a:t>Github</a:t>
+            </a:r>
+            <a:r>
+              <a:rPr lang="en-US" dirty="0">
+                <a:solidFill>
+                  <a:schemeClr val="bg1"/>
+                </a:solidFill>
+              </a:rPr>
+              <a:t> link : </a:t>
+            </a:r>
+            <a:r>
+              <a:rPr lang="en-US" dirty="0">
+                <a:solidFill>
+                  <a:schemeClr val="bg1"/>
+                </a:solidFill>
+                <a:hlinkClick r:id="rId4"/>
+              </a:rPr>
+              <a:t>https://</a:t>
+            </a:r>
+            <a:r>
+              <a:rPr lang="en-US" dirty="0" smtClean="0">
+                <a:solidFill>
+                  <a:schemeClr val="bg1"/>
+                </a:solidFill>
+                <a:hlinkClick r:id="rId4"/>
+              </a:rPr>
+              <a:t>github.com/arkahome/Halloween_recommender_system</a:t>
+            </a:r>
             <a:endParaRPr lang="en-US" dirty="0" smtClean="0">
               <a:solidFill>
                 <a:schemeClr val="bg1"/>
@@ -16363,6 +16623,10 @@
             </a:endParaRPr>
           </a:p>
           <a:p>
+            <a:pPr marL="285750" indent="-285750">
+              <a:buFontTx/>
+              <a:buChar char="-"/>
+            </a:pPr>
             <a:endParaRPr lang="en-US" dirty="0">
               <a:solidFill>
                 <a:schemeClr val="bg1"/>
@@ -16370,13 +16634,65 @@
             </a:endParaRPr>
           </a:p>
           <a:p>
-            <a:endParaRPr lang="en-US" dirty="0" smtClean="0">
+            <a:pPr marL="285750" indent="-285750">
+              <a:buFontTx/>
+              <a:buChar char="-"/>
+            </a:pPr>
+            <a:r>
+              <a:rPr lang="en-US" dirty="0" smtClean="0">
+                <a:solidFill>
+                  <a:schemeClr val="bg1"/>
+                </a:solidFill>
+              </a:rPr>
+              <a:t>Currently I’m working with an automobile client driving insights from their telematics(sensor) data. And also involved in bidding process of productionize my solution for another client’s requirement.</a:t>
+            </a:r>
+          </a:p>
+          <a:p>
+            <a:pPr marL="285750" indent="-285750">
+              <a:buFontTx/>
+              <a:buChar char="-"/>
+            </a:pPr>
+            <a:endParaRPr lang="en-US" dirty="0">
               <a:solidFill>
                 <a:schemeClr val="bg1"/>
               </a:solidFill>
             </a:endParaRPr>
           </a:p>
           <a:p>
+            <a:pPr marL="285750" indent="-285750">
+              <a:buFontTx/>
+              <a:buChar char="-"/>
+            </a:pPr>
+            <a:r>
+              <a:rPr lang="en-US" dirty="0" smtClean="0">
+                <a:solidFill>
+                  <a:schemeClr val="bg1"/>
+                </a:solidFill>
+              </a:rPr>
+              <a:t>Check out my </a:t>
+            </a:r>
+            <a:r>
+              <a:rPr lang="en-US" dirty="0" err="1" smtClean="0">
+                <a:solidFill>
+                  <a:schemeClr val="bg1"/>
+                </a:solidFill>
+              </a:rPr>
+              <a:t>linkedIn</a:t>
+            </a:r>
+            <a:r>
+              <a:rPr lang="en-US" dirty="0" smtClean="0">
+                <a:solidFill>
+                  <a:schemeClr val="bg1"/>
+                </a:solidFill>
+              </a:rPr>
+              <a:t> profile to know about me more.</a:t>
+            </a:r>
+          </a:p>
+          <a:p>
+            <a:pPr marL="285750" indent="-285750">
+              <a:buFontTx/>
+              <a:buChar char="-"/>
+            </a:pPr>
             <a:endParaRPr lang="en-US" dirty="0">
               <a:solidFill>
                 <a:schemeClr val="bg1"/>
@@ -16384,62 +16700,10 @@
             </a:endParaRPr>
           </a:p>
           <a:p>
-            <a:endParaRPr lang="en-US" dirty="0" smtClean="0">
-              <a:solidFill>
-                <a:schemeClr val="bg1"/>
-              </a:solidFill>
-            </a:endParaRPr>
-          </a:p>
-          <a:p>
-            <a:endParaRPr lang="en-US" dirty="0">
-              <a:solidFill>
-                <a:schemeClr val="bg1"/>
-              </a:solidFill>
-            </a:endParaRPr>
-          </a:p>
-          <a:p>
-            <a:endParaRPr lang="en-US" dirty="0" smtClean="0">
-              <a:solidFill>
-                <a:schemeClr val="bg1"/>
-              </a:solidFill>
-            </a:endParaRPr>
-          </a:p>
-          <a:p>
-            <a:endParaRPr lang="en-US" dirty="0">
-              <a:solidFill>
-                <a:schemeClr val="bg1"/>
-              </a:solidFill>
-            </a:endParaRPr>
-          </a:p>
-          <a:p>
-            <a:endParaRPr lang="en-US" dirty="0" smtClean="0">
-              <a:solidFill>
-                <a:schemeClr val="bg1"/>
-              </a:solidFill>
-            </a:endParaRPr>
-          </a:p>
-          <a:p>
-            <a:endParaRPr lang="en-US" dirty="0">
-              <a:solidFill>
-                <a:schemeClr val="bg1"/>
-              </a:solidFill>
-            </a:endParaRPr>
-          </a:p>
-          <a:p>
-            <a:endParaRPr lang="en-US" dirty="0" smtClean="0">
-              <a:solidFill>
-                <a:schemeClr val="bg1"/>
-              </a:solidFill>
-            </a:endParaRPr>
-          </a:p>
-          <a:p>
-            <a:endParaRPr lang="en-US" dirty="0">
-              <a:solidFill>
-                <a:schemeClr val="bg1"/>
-              </a:solidFill>
-            </a:endParaRPr>
-          </a:p>
-          <a:p>
+            <a:pPr marL="285750" indent="-285750">
+              <a:buFontTx/>
+              <a:buChar char="-"/>
+            </a:pPr>
             <a:endParaRPr lang="en-US" dirty="0" smtClean="0">
               <a:solidFill>
                 <a:schemeClr val="bg1"/>
@@ -16449,6 +16713,458 @@
           <a:p>
             <a:pPr algn="ctr"/>
             <a:endParaRPr lang="en-US" dirty="0">
+              <a:solidFill>
+                <a:schemeClr val="bg1"/>
+              </a:solidFill>
+            </a:endParaRPr>
+          </a:p>
+        </p:txBody>
+      </p:sp>
+      <p:pic>
+        <p:nvPicPr>
+          <p:cNvPr id="6" name="Picture 5">
+            <a:extLst>
+              <a:ext uri="{FF2B5EF4-FFF2-40B4-BE49-F238E27FC236}">
+                <a16:creationId xmlns="" xmlns:a16="http://schemas.microsoft.com/office/drawing/2014/main" id="{BBC6B32C-D462-4034-BF1F-AAA2222C8496}"/>
+              </a:ext>
+            </a:extLst>
+          </p:cNvPr>
+          <p:cNvPicPr>
+            <a:picLocks noChangeAspect="1"/>
+          </p:cNvPicPr>
+          <p:nvPr/>
+        </p:nvPicPr>
+        <p:blipFill>
+          <a:blip r:embed="rId5">
+            <a:extLst>
+              <a:ext uri="{28A0092B-C50C-407E-A947-70E740481C1C}">
+                <a14:useLocalDpi xmlns:a14="http://schemas.microsoft.com/office/drawing/2010/main" val="0"/>
+              </a:ext>
+            </a:extLst>
+          </a:blip>
+          <a:stretch>
+            <a:fillRect/>
+          </a:stretch>
+        </p:blipFill>
+        <p:spPr>
+          <a:xfrm>
+            <a:off x="1178332" y="1395892"/>
+            <a:ext cx="1160840" cy="1160840"/>
+          </a:xfrm>
+          <a:custGeom>
+            <a:avLst/>
+            <a:gdLst>
+              <a:gd name="connsiteX0" fmla="*/ 1276942 w 2553883"/>
+              <a:gd name="connsiteY0" fmla="*/ 19 h 2413001"/>
+              <a:gd name="connsiteX1" fmla="*/ 2553883 w 2553883"/>
+              <a:gd name="connsiteY1" fmla="*/ 1205516 h 2413001"/>
+              <a:gd name="connsiteX2" fmla="*/ 1276942 w 2553883"/>
+              <a:gd name="connsiteY2" fmla="*/ 2411013 h 2413001"/>
+              <a:gd name="connsiteX3" fmla="*/ 0 w 2553883"/>
+              <a:gd name="connsiteY3" fmla="*/ 1205516 h 2413001"/>
+              <a:gd name="connsiteX4" fmla="*/ 1276942 w 2553883"/>
+              <a:gd name="connsiteY4" fmla="*/ 19 h 2413001"/>
+            </a:gdLst>
+            <a:ahLst/>
+            <a:cxnLst>
+              <a:cxn ang="0">
+                <a:pos x="connsiteX0" y="connsiteY0"/>
+              </a:cxn>
+              <a:cxn ang="0">
+                <a:pos x="connsiteX1" y="connsiteY1"/>
+              </a:cxn>
+              <a:cxn ang="0">
+                <a:pos x="connsiteX2" y="connsiteY2"/>
+              </a:cxn>
+              <a:cxn ang="0">
+                <a:pos x="connsiteX3" y="connsiteY3"/>
+              </a:cxn>
+              <a:cxn ang="0">
+                <a:pos x="connsiteX4" y="connsiteY4"/>
+              </a:cxn>
+            </a:cxnLst>
+            <a:rect l="l" t="t" r="r" b="b"/>
+            <a:pathLst>
+              <a:path w="2553883" h="2413001">
+                <a:moveTo>
+                  <a:pt x="1276942" y="19"/>
+                </a:moveTo>
+                <a:cubicBezTo>
+                  <a:pt x="2033557" y="-3651"/>
+                  <a:pt x="2553883" y="539738"/>
+                  <a:pt x="2553883" y="1205516"/>
+                </a:cubicBezTo>
+                <a:cubicBezTo>
+                  <a:pt x="2553883" y="1871294"/>
+                  <a:pt x="1824372" y="2366976"/>
+                  <a:pt x="1276942" y="2411013"/>
+                </a:cubicBezTo>
+                <a:cubicBezTo>
+                  <a:pt x="512989" y="2451381"/>
+                  <a:pt x="0" y="1871294"/>
+                  <a:pt x="0" y="1205516"/>
+                </a:cubicBezTo>
+                <a:cubicBezTo>
+                  <a:pt x="0" y="539738"/>
+                  <a:pt x="597394" y="14699"/>
+                  <a:pt x="1276942" y="19"/>
+                </a:cubicBezTo>
+                <a:close/>
+              </a:path>
+            </a:pathLst>
+          </a:custGeom>
+        </p:spPr>
+      </p:pic>
+      <p:sp>
+        <p:nvSpPr>
+          <p:cNvPr id="7" name="Text Placeholder 5">
+            <a:extLst>
+              <a:ext uri="{FF2B5EF4-FFF2-40B4-BE49-F238E27FC236}">
+                <a16:creationId xmlns="" xmlns:a16="http://schemas.microsoft.com/office/drawing/2014/main" id="{C598CC2F-DF08-4C21-B7C9-2FAB40AC70AA}"/>
+              </a:ext>
+            </a:extLst>
+          </p:cNvPr>
+          <p:cNvSpPr txBox="1">
+            <a:spLocks/>
+          </p:cNvSpPr>
+          <p:nvPr/>
+        </p:nvSpPr>
+        <p:spPr>
+          <a:xfrm>
+            <a:off x="325620" y="2522494"/>
+            <a:ext cx="3058233" cy="340951"/>
+          </a:xfrm>
+          <a:prstGeom prst="rect">
+            <a:avLst/>
+          </a:prstGeom>
+        </p:spPr>
+        <p:txBody>
+          <a:bodyPr/>
+          <a:lstStyle>
+            <a:defPPr marR="0" lvl="0" algn="l" rtl="0">
+              <a:lnSpc>
+                <a:spcPct val="100000"/>
+              </a:lnSpc>
+              <a:spcBef>
+                <a:spcPts val="0"/>
+              </a:spcBef>
+              <a:spcAft>
+                <a:spcPts val="0"/>
+              </a:spcAft>
+            </a:defPPr>
+            <a:lvl1pPr marR="0" lvl="0" algn="l" rtl="0">
+              <a:lnSpc>
+                <a:spcPct val="100000"/>
+              </a:lnSpc>
+              <a:spcBef>
+                <a:spcPts val="0"/>
+              </a:spcBef>
+              <a:spcAft>
+                <a:spcPts val="0"/>
+              </a:spcAft>
+              <a:buClr>
+                <a:srgbClr val="000000"/>
+              </a:buClr>
+              <a:buFont typeface="Arial"/>
+              <a:defRPr sz="1400" b="0" i="0" u="none" strike="noStrike" cap="none">
+                <a:solidFill>
+                  <a:srgbClr val="000000"/>
+                </a:solidFill>
+                <a:latin typeface="Arial"/>
+                <a:ea typeface="Arial"/>
+                <a:cs typeface="Arial"/>
+                <a:sym typeface="Arial"/>
+              </a:defRPr>
+            </a:lvl1pPr>
+            <a:lvl2pPr marR="0" lvl="1" algn="l" rtl="0">
+              <a:lnSpc>
+                <a:spcPct val="100000"/>
+              </a:lnSpc>
+              <a:spcBef>
+                <a:spcPts val="0"/>
+              </a:spcBef>
+              <a:spcAft>
+                <a:spcPts val="0"/>
+              </a:spcAft>
+              <a:buClr>
+                <a:srgbClr val="000000"/>
+              </a:buClr>
+              <a:buFont typeface="Arial"/>
+              <a:defRPr sz="1400" b="0" i="0" u="none" strike="noStrike" cap="none">
+                <a:solidFill>
+                  <a:srgbClr val="000000"/>
+                </a:solidFill>
+                <a:latin typeface="Arial"/>
+                <a:ea typeface="Arial"/>
+                <a:cs typeface="Arial"/>
+                <a:sym typeface="Arial"/>
+              </a:defRPr>
+            </a:lvl2pPr>
+            <a:lvl3pPr marR="0" lvl="2" algn="l" rtl="0">
+              <a:lnSpc>
+                <a:spcPct val="100000"/>
+              </a:lnSpc>
+              <a:spcBef>
+                <a:spcPts val="0"/>
+              </a:spcBef>
+              <a:spcAft>
+                <a:spcPts val="0"/>
+              </a:spcAft>
+              <a:buClr>
+                <a:srgbClr val="000000"/>
+              </a:buClr>
+              <a:buFont typeface="Arial"/>
+              <a:defRPr sz="1400" b="0" i="0" u="none" strike="noStrike" cap="none">
+                <a:solidFill>
+                  <a:srgbClr val="000000"/>
+                </a:solidFill>
+                <a:latin typeface="Arial"/>
+                <a:ea typeface="Arial"/>
+                <a:cs typeface="Arial"/>
+                <a:sym typeface="Arial"/>
+              </a:defRPr>
+            </a:lvl3pPr>
+            <a:lvl4pPr marR="0" lvl="3" algn="l" rtl="0">
+              <a:lnSpc>
+                <a:spcPct val="100000"/>
+              </a:lnSpc>
+              <a:spcBef>
+                <a:spcPts val="0"/>
+              </a:spcBef>
+              <a:spcAft>
+                <a:spcPts val="0"/>
+              </a:spcAft>
+              <a:buClr>
+                <a:srgbClr val="000000"/>
+              </a:buClr>
+              <a:buFont typeface="Arial"/>
+              <a:defRPr sz="1400" b="0" i="0" u="none" strike="noStrike" cap="none">
+                <a:solidFill>
+                  <a:srgbClr val="000000"/>
+                </a:solidFill>
+                <a:latin typeface="Arial"/>
+                <a:ea typeface="Arial"/>
+                <a:cs typeface="Arial"/>
+                <a:sym typeface="Arial"/>
+              </a:defRPr>
+            </a:lvl4pPr>
+            <a:lvl5pPr marR="0" lvl="4" algn="l" rtl="0">
+              <a:lnSpc>
+                <a:spcPct val="100000"/>
+              </a:lnSpc>
+              <a:spcBef>
+                <a:spcPts val="0"/>
+              </a:spcBef>
+              <a:spcAft>
+                <a:spcPts val="0"/>
+              </a:spcAft>
+              <a:buClr>
+                <a:srgbClr val="000000"/>
+              </a:buClr>
+              <a:buFont typeface="Arial"/>
+              <a:defRPr sz="1400" b="0" i="0" u="none" strike="noStrike" cap="none">
+                <a:solidFill>
+                  <a:srgbClr val="000000"/>
+                </a:solidFill>
+                <a:latin typeface="Arial"/>
+                <a:ea typeface="Arial"/>
+                <a:cs typeface="Arial"/>
+                <a:sym typeface="Arial"/>
+              </a:defRPr>
+            </a:lvl5pPr>
+            <a:lvl6pPr marR="0" lvl="5" algn="l" rtl="0">
+              <a:lnSpc>
+                <a:spcPct val="100000"/>
+              </a:lnSpc>
+              <a:spcBef>
+                <a:spcPts val="0"/>
+              </a:spcBef>
+              <a:spcAft>
+                <a:spcPts val="0"/>
+              </a:spcAft>
+              <a:buClr>
+                <a:srgbClr val="000000"/>
+              </a:buClr>
+              <a:buFont typeface="Arial"/>
+              <a:defRPr sz="1400" b="0" i="0" u="none" strike="noStrike" cap="none">
+                <a:solidFill>
+                  <a:srgbClr val="000000"/>
+                </a:solidFill>
+                <a:latin typeface="Arial"/>
+                <a:ea typeface="Arial"/>
+                <a:cs typeface="Arial"/>
+                <a:sym typeface="Arial"/>
+              </a:defRPr>
+            </a:lvl6pPr>
+            <a:lvl7pPr marR="0" lvl="6" algn="l" rtl="0">
+              <a:lnSpc>
+                <a:spcPct val="100000"/>
+              </a:lnSpc>
+              <a:spcBef>
+                <a:spcPts val="0"/>
+              </a:spcBef>
+              <a:spcAft>
+                <a:spcPts val="0"/>
+              </a:spcAft>
+              <a:buClr>
+                <a:srgbClr val="000000"/>
+              </a:buClr>
+              <a:buFont typeface="Arial"/>
+              <a:defRPr sz="1400" b="0" i="0" u="none" strike="noStrike" cap="none">
+                <a:solidFill>
+                  <a:srgbClr val="000000"/>
+                </a:solidFill>
+                <a:latin typeface="Arial"/>
+                <a:ea typeface="Arial"/>
+                <a:cs typeface="Arial"/>
+                <a:sym typeface="Arial"/>
+              </a:defRPr>
+            </a:lvl7pPr>
+            <a:lvl8pPr marR="0" lvl="7" algn="l" rtl="0">
+              <a:lnSpc>
+                <a:spcPct val="100000"/>
+              </a:lnSpc>
+              <a:spcBef>
+                <a:spcPts val="0"/>
+              </a:spcBef>
+              <a:spcAft>
+                <a:spcPts val="0"/>
+              </a:spcAft>
+              <a:buClr>
+                <a:srgbClr val="000000"/>
+              </a:buClr>
+              <a:buFont typeface="Arial"/>
+              <a:defRPr sz="1400" b="0" i="0" u="none" strike="noStrike" cap="none">
+                <a:solidFill>
+                  <a:srgbClr val="000000"/>
+                </a:solidFill>
+                <a:latin typeface="Arial"/>
+                <a:ea typeface="Arial"/>
+                <a:cs typeface="Arial"/>
+                <a:sym typeface="Arial"/>
+              </a:defRPr>
+            </a:lvl8pPr>
+            <a:lvl9pPr marR="0" lvl="8" algn="l" rtl="0">
+              <a:lnSpc>
+                <a:spcPct val="100000"/>
+              </a:lnSpc>
+              <a:spcBef>
+                <a:spcPts val="0"/>
+              </a:spcBef>
+              <a:spcAft>
+                <a:spcPts val="0"/>
+              </a:spcAft>
+              <a:buClr>
+                <a:srgbClr val="000000"/>
+              </a:buClr>
+              <a:buFont typeface="Arial"/>
+              <a:defRPr sz="1400" b="0" i="0" u="none" strike="noStrike" cap="none">
+                <a:solidFill>
+                  <a:srgbClr val="000000"/>
+                </a:solidFill>
+                <a:latin typeface="Arial"/>
+                <a:ea typeface="Arial"/>
+                <a:cs typeface="Arial"/>
+                <a:sym typeface="Arial"/>
+              </a:defRPr>
+            </a:lvl9pPr>
+          </a:lstStyle>
+          <a:p>
+            <a:pPr algn="ctr"/>
+            <a:r>
+              <a:rPr lang="pt-PT" b="1" dirty="0" smtClean="0">
+                <a:solidFill>
+                  <a:schemeClr val="bg1"/>
+                </a:solidFill>
+                <a:latin typeface="+mj-lt"/>
+                <a:cs typeface="Times New Roman" panose="02020603050405020304" pitchFamily="18" charset="0"/>
+              </a:rPr>
+              <a:t>Arka Prava Bandyopadhyay</a:t>
+            </a:r>
+          </a:p>
+          <a:p>
+            <a:pPr algn="ctr"/>
+            <a:r>
+              <a:rPr lang="pt-PT" dirty="0" smtClean="0">
+                <a:solidFill>
+                  <a:schemeClr val="bg1"/>
+                </a:solidFill>
+              </a:rPr>
+              <a:t>Data Scientist, Capgemini</a:t>
+            </a:r>
+          </a:p>
+          <a:p>
+            <a:pPr algn="ctr"/>
+            <a:r>
+              <a:rPr lang="pt-PT" b="1" dirty="0" smtClean="0">
+                <a:solidFill>
+                  <a:schemeClr val="bg1"/>
+                </a:solidFill>
+              </a:rPr>
+              <a:t>Contact: </a:t>
+            </a:r>
+            <a:r>
+              <a:rPr lang="pt-PT" dirty="0" smtClean="0">
+                <a:solidFill>
+                  <a:schemeClr val="bg1"/>
+                </a:solidFill>
+              </a:rPr>
+              <a:t>896149</a:t>
+            </a:r>
+            <a:r>
+              <a:rPr lang="pt-PT" dirty="0">
+                <a:solidFill>
+                  <a:schemeClr val="bg1"/>
+                </a:solidFill>
+              </a:rPr>
+              <a:t>7680</a:t>
+            </a:r>
+          </a:p>
+          <a:p>
+            <a:pPr algn="ctr"/>
+            <a:r>
+              <a:rPr lang="pt-PT" b="1" dirty="0" smtClean="0">
+                <a:solidFill>
+                  <a:schemeClr val="bg1"/>
+                </a:solidFill>
+              </a:rPr>
+              <a:t>LinkedIn</a:t>
+            </a:r>
+            <a:r>
+              <a:rPr lang="pt-PT" b="1" dirty="0">
+                <a:solidFill>
+                  <a:schemeClr val="bg1"/>
+                </a:solidFill>
+              </a:rPr>
+              <a:t>: </a:t>
+            </a:r>
+            <a:r>
+              <a:rPr lang="pt-PT" dirty="0" smtClean="0">
+                <a:solidFill>
+                  <a:schemeClr val="bg1"/>
+                </a:solidFill>
+                <a:hlinkClick r:id="rId6"/>
+              </a:rPr>
+              <a:t>https</a:t>
+            </a:r>
+            <a:r>
+              <a:rPr lang="pt-PT" dirty="0">
+                <a:solidFill>
+                  <a:schemeClr val="bg1"/>
+                </a:solidFill>
+                <a:hlinkClick r:id="rId6"/>
+              </a:rPr>
+              <a:t>://www.linkedin.com/in/arkapravabandyopadhyay/</a:t>
+            </a:r>
+            <a:endParaRPr lang="pt-PT" dirty="0" smtClean="0">
+              <a:solidFill>
+                <a:schemeClr val="bg1"/>
+              </a:solidFill>
+            </a:endParaRPr>
+          </a:p>
+          <a:p>
+            <a:pPr algn="ctr"/>
+            <a:endParaRPr lang="en-US" b="1" dirty="0">
               <a:solidFill>
                 <a:schemeClr val="bg1"/>
               </a:solidFill>
@@ -16461,6 +17177,13 @@
   <p:clrMapOvr>
     <a:masterClrMapping/>
   </p:clrMapOvr>
+  <p:timing>
+    <p:tnLst>
+      <p:par>
+        <p:cTn id="1" dur="indefinite" restart="never" nodeType="tmRoot"/>
+      </p:par>
+    </p:tnLst>
+  </p:timing>
 </p:sld>
 </file>
 
@@ -16724,7 +17447,7 @@
                   <a:srgbClr val="FFFFFF"/>
                 </a:solidFill>
               </a:rPr>
-              <a:t>Explain the given problem statement in your words</a:t>
+              <a:t>Using TF-IDF and Cosine Similarity I’m making this solution.</a:t>
             </a:r>
             <a:endParaRPr lang="en-IN" dirty="0"/>
           </a:p>
@@ -16835,7 +17558,7 @@
         <p:spPr>
           <a:xfrm>
             <a:off x="800100" y="2082960"/>
-            <a:ext cx="8699500" cy="3539430"/>
+            <a:ext cx="8699500" cy="3970318"/>
           </a:xfrm>
           <a:prstGeom prst="rect">
             <a:avLst/>
@@ -16848,17 +17571,31 @@
           </a:bodyPr>
           <a:lstStyle/>
           <a:p>
-            <a:pPr algn="ctr"/>
             <a:r>
               <a:rPr lang="en-US" dirty="0" smtClean="0">
                 <a:solidFill>
                   <a:schemeClr val="bg1"/>
                 </a:solidFill>
               </a:rPr>
-              <a:t>Add Text here</a:t>
+              <a:t>Using TF-IDF and Cosine Similarity I’m deriving solution for the problems.</a:t>
             </a:r>
           </a:p>
           <a:p>
+            <a:endParaRPr lang="en-US" dirty="0">
+              <a:solidFill>
+                <a:schemeClr val="bg1"/>
+              </a:solidFill>
+            </a:endParaRPr>
+          </a:p>
+          <a:p>
+            <a:r>
+              <a:rPr lang="en-US" dirty="0" smtClean="0">
+                <a:solidFill>
+                  <a:schemeClr val="bg1"/>
+                </a:solidFill>
+              </a:rPr>
+              <a:t>Where users are using synonyms for the cases stored in dictionary. We can explore users search and store those synonyms in a dictionary and replace with the word stored in our case.</a:t>
+            </a:r>
             <a:endParaRPr lang="en-US" dirty="0">
               <a:solidFill>
                 <a:schemeClr val="bg1"/>
@@ -16976,6 +17713,13 @@
   <p:clrMapOvr>
     <a:masterClrMapping/>
   </p:clrMapOvr>
+  <p:timing>
+    <p:tnLst>
+      <p:par>
+        <p:cTn id="1" dur="indefinite" restart="never" nodeType="tmRoot"/>
+      </p:par>
+    </p:tnLst>
+  </p:timing>
 </p:sld>
 </file>
 
@@ -17335,7 +18079,7 @@
         <p:spPr>
           <a:xfrm>
             <a:off x="800100" y="2082960"/>
-            <a:ext cx="8699500" cy="3539430"/>
+            <a:ext cx="8699500" cy="3970318"/>
           </a:xfrm>
           <a:prstGeom prst="rect">
             <a:avLst/>
@@ -17348,14 +18092,13 @@
           </a:bodyPr>
           <a:lstStyle/>
           <a:p>
-            <a:pPr algn="ctr"/>
             <a:r>
               <a:rPr lang="en-US" dirty="0" smtClean="0">
                 <a:solidFill>
                   <a:schemeClr val="bg1"/>
                 </a:solidFill>
               </a:rPr>
-              <a:t>Add Text here</a:t>
+              <a:t>2 files are there.</a:t>
             </a:r>
           </a:p>
           <a:p>
@@ -17366,13 +18109,43 @@
             </a:endParaRPr>
           </a:p>
           <a:p>
-            <a:endParaRPr lang="en-US" dirty="0" smtClean="0">
+            <a:pPr marL="285750" indent="-285750">
+              <a:buFontTx/>
+              <a:buChar char="-"/>
+            </a:pPr>
+            <a:r>
+              <a:rPr lang="en-US" dirty="0" smtClean="0">
+                <a:solidFill>
+                  <a:schemeClr val="bg1"/>
+                </a:solidFill>
+              </a:rPr>
+              <a:t>Data Preprocessing File : Here I’ve loaded the sample input file and all the user manual files and stored it in a Data Frame and pickled it.</a:t>
+            </a:r>
+          </a:p>
+          <a:p>
+            <a:pPr marL="285750" indent="-285750">
+              <a:buFontTx/>
+              <a:buChar char="-"/>
+            </a:pPr>
+            <a:endParaRPr lang="en-US" dirty="0">
               <a:solidFill>
                 <a:schemeClr val="bg1"/>
               </a:solidFill>
             </a:endParaRPr>
           </a:p>
           <a:p>
+            <a:pPr marL="285750" indent="-285750">
+              <a:buFontTx/>
+              <a:buChar char="-"/>
+            </a:pPr>
+            <a:r>
+              <a:rPr lang="en-US" dirty="0" smtClean="0">
+                <a:solidFill>
+                  <a:schemeClr val="bg1"/>
+                </a:solidFill>
+              </a:rPr>
+              <a:t>- Solution File: Here I’m making the actual solution with TF-IDF and cosine similarity.</a:t>
+            </a:r>
             <a:endParaRPr lang="en-US" dirty="0">
               <a:solidFill>
                 <a:schemeClr val="bg1"/>
@@ -17476,6 +18249,13 @@
   <p:clrMapOvr>
     <a:masterClrMapping/>
   </p:clrMapOvr>
+  <p:timing>
+    <p:tnLst>
+      <p:par>
+        <p:cTn id="1" dur="indefinite" restart="never" nodeType="tmRoot"/>
+      </p:par>
+    </p:tnLst>
+  </p:timing>
 </p:sld>
 </file>
 
@@ -17864,16 +18644,21 @@
           <a:lstStyle/>
           <a:p>
             <a:pPr algn="ctr"/>
+            <a:endParaRPr lang="en-US" dirty="0" smtClean="0">
+              <a:solidFill>
+                <a:schemeClr val="bg1"/>
+              </a:solidFill>
+            </a:endParaRPr>
+          </a:p>
+          <a:p>
             <a:r>
               <a:rPr lang="en-US" dirty="0" smtClean="0">
                 <a:solidFill>
                   <a:schemeClr val="bg1"/>
                 </a:solidFill>
               </a:rPr>
-              <a:t>Add Text here</a:t>
+              <a:t>Python 3.6</a:t>
             </a:r>
-          </a:p>
-          <a:p>
             <a:endParaRPr lang="en-US" dirty="0">
               <a:solidFill>
                 <a:schemeClr val="bg1"/>
@@ -18345,7 +19130,7 @@
         <p:spPr>
           <a:xfrm>
             <a:off x="800100" y="2082960"/>
-            <a:ext cx="8699500" cy="3539430"/>
+            <a:ext cx="8699500" cy="4401205"/>
           </a:xfrm>
           <a:prstGeom prst="rect">
             <a:avLst/>
@@ -18365,7 +19150,26 @@
                   <a:schemeClr val="bg1"/>
                 </a:solidFill>
               </a:rPr>
-              <a:t>Add Text here</a:t>
+              <a:t>Data Preprocessing Phase: Extracted all the data from the docs and the excel and compiled everything in a data frame and pickled it.</a:t>
+            </a:r>
+          </a:p>
+          <a:p>
+            <a:pPr algn="ctr"/>
+            <a:endParaRPr lang="en-US" dirty="0" smtClean="0">
+              <a:solidFill>
+                <a:schemeClr val="bg1"/>
+              </a:solidFill>
+            </a:endParaRPr>
+          </a:p>
+          <a:p>
+            <a:pPr algn="ctr"/>
+            <a:r>
+              <a:rPr lang="en-US" dirty="0" smtClean="0">
+                <a:solidFill>
+                  <a:schemeClr val="bg1"/>
+                </a:solidFill>
+              </a:rPr>
+              <a:t>Solution phase : Made a function to print the problem and the solution. And also printed all the queries asked for  in this competition. </a:t>
             </a:r>
           </a:p>
           <a:p>
@@ -18766,106 +19570,61 @@
                   <a:schemeClr val="bg1"/>
                 </a:solidFill>
               </a:rPr>
-              <a:t>Add Text here</a:t>
+              <a:t>TF-IDF- Term Frequency * Inverse Document Frequency. </a:t>
             </a:r>
           </a:p>
           <a:p>
-            <a:endParaRPr lang="en-US" dirty="0">
-              <a:solidFill>
-                <a:schemeClr val="bg1"/>
-              </a:solidFill>
-            </a:endParaRPr>
-          </a:p>
-          <a:p>
-            <a:endParaRPr lang="en-US" dirty="0" smtClean="0">
-              <a:solidFill>
-                <a:schemeClr val="bg1"/>
-              </a:solidFill>
-            </a:endParaRPr>
-          </a:p>
-          <a:p>
-            <a:endParaRPr lang="en-US" dirty="0">
-              <a:solidFill>
-                <a:schemeClr val="bg1"/>
-              </a:solidFill>
-            </a:endParaRPr>
-          </a:p>
-          <a:p>
-            <a:endParaRPr lang="en-US" dirty="0" smtClean="0">
-              <a:solidFill>
-                <a:schemeClr val="bg1"/>
-              </a:solidFill>
-            </a:endParaRPr>
-          </a:p>
-          <a:p>
-            <a:endParaRPr lang="en-US" dirty="0">
-              <a:solidFill>
-                <a:schemeClr val="bg1"/>
-              </a:solidFill>
-            </a:endParaRPr>
-          </a:p>
-          <a:p>
-            <a:endParaRPr lang="en-US" dirty="0" smtClean="0">
-              <a:solidFill>
-                <a:schemeClr val="bg1"/>
-              </a:solidFill>
-            </a:endParaRPr>
-          </a:p>
-          <a:p>
-            <a:endParaRPr lang="en-US" dirty="0">
-              <a:solidFill>
-                <a:schemeClr val="bg1"/>
-              </a:solidFill>
-            </a:endParaRPr>
-          </a:p>
-          <a:p>
-            <a:endParaRPr lang="en-US" dirty="0" smtClean="0">
-              <a:solidFill>
-                <a:schemeClr val="bg1"/>
-              </a:solidFill>
-            </a:endParaRPr>
-          </a:p>
-          <a:p>
-            <a:endParaRPr lang="en-US" dirty="0">
-              <a:solidFill>
-                <a:schemeClr val="bg1"/>
-              </a:solidFill>
-            </a:endParaRPr>
-          </a:p>
-          <a:p>
-            <a:endParaRPr lang="en-US" dirty="0" smtClean="0">
-              <a:solidFill>
-                <a:schemeClr val="bg1"/>
-              </a:solidFill>
-            </a:endParaRPr>
-          </a:p>
-          <a:p>
-            <a:endParaRPr lang="en-US" dirty="0">
-              <a:solidFill>
-                <a:schemeClr val="bg1"/>
-              </a:solidFill>
-            </a:endParaRPr>
-          </a:p>
-          <a:p>
-            <a:endParaRPr lang="en-US" dirty="0" smtClean="0">
-              <a:solidFill>
-                <a:schemeClr val="bg1"/>
-              </a:solidFill>
-            </a:endParaRPr>
-          </a:p>
-          <a:p>
-            <a:endParaRPr lang="en-US" dirty="0">
-              <a:solidFill>
-                <a:schemeClr val="bg1"/>
-              </a:solidFill>
-            </a:endParaRPr>
-          </a:p>
-          <a:p>
-            <a:endParaRPr lang="en-US" dirty="0" smtClean="0">
-              <a:solidFill>
-                <a:schemeClr val="bg1"/>
-              </a:solidFill>
-            </a:endParaRPr>
+            <a:pPr algn="ctr"/>
+            <a:r>
+              <a:rPr lang="en-US" dirty="0" smtClean="0">
+                <a:solidFill>
+                  <a:schemeClr val="bg1"/>
+                </a:solidFill>
+              </a:rPr>
+              <a:t>TFIDF(t</a:t>
+            </a:r>
+            <a:r>
+              <a:rPr lang="en-US" dirty="0">
+                <a:solidFill>
+                  <a:schemeClr val="bg1"/>
+                </a:solidFill>
+              </a:rPr>
+              <a:t>, d) = TF(t, d) × IDF(t) . The IDF is calculated as </a:t>
+            </a:r>
+            <a:br>
+              <a:rPr lang="en-US" dirty="0">
+                <a:solidFill>
+                  <a:schemeClr val="bg1"/>
+                </a:solidFill>
+              </a:rPr>
+            </a:br>
+            <a:r>
+              <a:rPr lang="en-US" dirty="0">
+                <a:solidFill>
+                  <a:schemeClr val="bg1"/>
+                </a:solidFill>
+              </a:rPr>
+              <a:t>IDF(t) = 1 + log ( Total number of documents / Number of documents containing t </a:t>
+            </a:r>
+            <a:r>
+              <a:rPr lang="en-US" dirty="0" smtClean="0">
+                <a:solidFill>
+                  <a:schemeClr val="bg1"/>
+                </a:solidFill>
+              </a:rPr>
+              <a:t>)</a:t>
+            </a:r>
+          </a:p>
+          <a:p>
+            <a:pPr algn="ctr"/>
+            <a:r>
+              <a:rPr lang="en-US" dirty="0" smtClean="0">
+                <a:solidFill>
+                  <a:schemeClr val="bg1"/>
+                </a:solidFill>
+              </a:rPr>
+              <a:t>Term Frequency catches the frequent term and Inverse document frequency catches the rare or sparse term.</a:t>
+            </a:r>
           </a:p>
           <a:p>
             <a:pPr algn="ctr"/>
@@ -18874,6 +19633,159 @@
                 <a:schemeClr val="bg1"/>
               </a:solidFill>
             </a:endParaRPr>
+          </a:p>
+          <a:p>
+            <a:pPr algn="ctr"/>
+            <a:r>
+              <a:rPr lang="en-US" dirty="0" smtClean="0">
+                <a:solidFill>
+                  <a:schemeClr val="bg1"/>
+                </a:solidFill>
+              </a:rPr>
+              <a:t>Cosine similarity: It’s a distance metrics</a:t>
+            </a:r>
+            <a:r>
+              <a:rPr lang="en-US" dirty="0">
+                <a:solidFill>
+                  <a:schemeClr val="bg1"/>
+                </a:solidFill>
+              </a:rPr>
+              <a:t>. Then in vector space model we get a vector for each </a:t>
+            </a:r>
+            <a:r>
+              <a:rPr lang="en-US" dirty="0" smtClean="0">
+                <a:solidFill>
+                  <a:schemeClr val="bg1"/>
+                </a:solidFill>
+              </a:rPr>
+              <a:t>document by TF-IDF. </a:t>
+            </a:r>
+            <a:r>
+              <a:rPr lang="en-US" dirty="0">
+                <a:solidFill>
+                  <a:schemeClr val="bg1"/>
+                </a:solidFill>
+              </a:rPr>
+              <a:t>Then we calculate cosine similarity by </a:t>
+            </a:r>
+            <a:endParaRPr lang="en-US" dirty="0" smtClean="0">
+              <a:solidFill>
+                <a:schemeClr val="bg1"/>
+              </a:solidFill>
+            </a:endParaRPr>
+          </a:p>
+          <a:p>
+            <a:pPr algn="ctr"/>
+            <a:r>
+              <a:rPr lang="en-US" dirty="0" err="1" smtClean="0">
+                <a:solidFill>
+                  <a:schemeClr val="bg1"/>
+                </a:solidFill>
+              </a:rPr>
+              <a:t>d_cosine</a:t>
+            </a:r>
+            <a:r>
+              <a:rPr lang="en-US" dirty="0" smtClean="0">
+                <a:solidFill>
+                  <a:schemeClr val="bg1"/>
+                </a:solidFill>
+              </a:rPr>
+              <a:t>(X,Y</a:t>
+            </a:r>
+            <a:r>
+              <a:rPr lang="en-US" dirty="0">
+                <a:solidFill>
+                  <a:schemeClr val="bg1"/>
+                </a:solidFill>
+              </a:rPr>
+              <a:t>) = 1 - X . Y/ distance of X from origin * distance of Y from origin. </a:t>
+            </a:r>
+            <a:endParaRPr lang="en-US" dirty="0" smtClean="0">
+              <a:solidFill>
+                <a:schemeClr val="bg1"/>
+              </a:solidFill>
+            </a:endParaRPr>
+          </a:p>
+          <a:p>
+            <a:pPr algn="ctr"/>
+            <a:r>
+              <a:rPr lang="en-US" dirty="0" smtClean="0">
+                <a:solidFill>
+                  <a:schemeClr val="bg1"/>
+                </a:solidFill>
+              </a:rPr>
+              <a:t>So, </a:t>
+            </a:r>
+            <a:r>
+              <a:rPr lang="en-US" dirty="0">
+                <a:solidFill>
+                  <a:schemeClr val="bg1"/>
+                </a:solidFill>
+              </a:rPr>
+              <a:t>for cos0 distance will be 0. That means two documents are same</a:t>
+            </a:r>
+            <a:r>
+              <a:rPr lang="en-US" dirty="0" smtClean="0">
+                <a:solidFill>
+                  <a:schemeClr val="bg1"/>
+                </a:solidFill>
+              </a:rPr>
+              <a:t>.</a:t>
+            </a:r>
+          </a:p>
+          <a:p>
+            <a:pPr algn="ctr"/>
+            <a:endParaRPr lang="en-US" dirty="0">
+              <a:solidFill>
+                <a:schemeClr val="bg1"/>
+              </a:solidFill>
+            </a:endParaRPr>
+          </a:p>
+          <a:p>
+            <a:pPr algn="ctr"/>
+            <a:r>
+              <a:rPr lang="en-US" dirty="0" smtClean="0">
+                <a:solidFill>
+                  <a:schemeClr val="bg1"/>
+                </a:solidFill>
+              </a:rPr>
+              <a:t>Based on this idea my model is implemented. </a:t>
+            </a:r>
+          </a:p>
+          <a:p>
+            <a:pPr algn="ctr"/>
+            <a:endParaRPr lang="en-US" dirty="0" smtClean="0">
+              <a:solidFill>
+                <a:schemeClr val="bg1"/>
+              </a:solidFill>
+            </a:endParaRPr>
+          </a:p>
+          <a:p>
+            <a:pPr algn="ctr"/>
+            <a:r>
+              <a:rPr lang="en-US" dirty="0" smtClean="0">
+                <a:solidFill>
+                  <a:schemeClr val="bg1"/>
+                </a:solidFill>
+              </a:rPr>
+              <a:t>And as the model is powered by cosine </a:t>
+            </a:r>
+            <a:r>
+              <a:rPr lang="en-US" dirty="0" err="1" smtClean="0">
+                <a:solidFill>
+                  <a:schemeClr val="bg1"/>
+                </a:solidFill>
+              </a:rPr>
+              <a:t>similarity,if</a:t>
+            </a:r>
+            <a:r>
+              <a:rPr lang="en-US" dirty="0" smtClean="0">
+                <a:solidFill>
+                  <a:schemeClr val="bg1"/>
+                </a:solidFill>
+              </a:rPr>
+              <a:t> the user is using some synonym of any word used in our training set , then it won’t be able to catch the similarity. That can be addressed by using a dictionary filled with commonly used synonyms and replace it with the word used in the training set.</a:t>
+            </a:r>
           </a:p>
         </p:txBody>
       </p:sp>
@@ -19125,12 +20037,20 @@
           <a:p>
             <a:pPr algn="ctr"/>
             <a:r>
+              <a:rPr lang="en-US" b="1" dirty="0" smtClean="0">
+                <a:solidFill>
+                  <a:schemeClr val="bg1"/>
+                </a:solidFill>
+              </a:rPr>
+              <a:t>All</a:t>
+            </a:r>
+            <a:r>
               <a:rPr lang="en-US" dirty="0" smtClean="0">
                 <a:solidFill>
                   <a:schemeClr val="bg1"/>
                 </a:solidFill>
               </a:rPr>
-              <a:t>Add Text here</a:t>
+              <a:t> the outputs are showing correct answer.</a:t>
             </a:r>
           </a:p>
           <a:p>
@@ -19675,7 +20595,7 @@
         <p:spPr>
           <a:xfrm>
             <a:off x="723010" y="2318886"/>
-            <a:ext cx="8699500" cy="3323987"/>
+            <a:ext cx="8699500" cy="3754874"/>
           </a:xfrm>
           <a:prstGeom prst="rect">
             <a:avLst/>
@@ -19695,8 +20615,57 @@
                   <a:schemeClr val="bg1"/>
                 </a:solidFill>
               </a:rPr>
-              <a:t>Add Text here</a:t>
+              <a:t>I’ve included the </a:t>
             </a:r>
+            <a:r>
+              <a:rPr lang="en-US" dirty="0" err="1" smtClean="0">
+                <a:solidFill>
+                  <a:schemeClr val="bg1"/>
+                </a:solidFill>
+              </a:rPr>
+              <a:t>github</a:t>
+            </a:r>
+            <a:r>
+              <a:rPr lang="en-US" dirty="0" smtClean="0">
+                <a:solidFill>
+                  <a:schemeClr val="bg1"/>
+                </a:solidFill>
+              </a:rPr>
+              <a:t> link. There you can see for yourself. All the outputs are working fine.</a:t>
+            </a:r>
+          </a:p>
+          <a:p>
+            <a:pPr algn="ctr"/>
+            <a:endParaRPr lang="en-US" dirty="0">
+              <a:solidFill>
+                <a:schemeClr val="bg1"/>
+              </a:solidFill>
+            </a:endParaRPr>
+          </a:p>
+          <a:p>
+            <a:pPr algn="ctr"/>
+            <a:r>
+              <a:rPr lang="en-US" dirty="0">
+                <a:solidFill>
+                  <a:schemeClr val="bg1"/>
+                </a:solidFill>
+              </a:rPr>
+              <a:t>Check it out here: </a:t>
+            </a:r>
+            <a:r>
+              <a:rPr lang="en-US" dirty="0">
+                <a:solidFill>
+                  <a:schemeClr val="bg1"/>
+                </a:solidFill>
+                <a:hlinkClick r:id="rId4"/>
+              </a:rPr>
+              <a:t>https://github.com/arkahome/im-ml/blob/master/Solution.ipynb</a:t>
+            </a:r>
+            <a:endParaRPr lang="en-US" dirty="0" smtClean="0">
+              <a:solidFill>
+                <a:schemeClr val="bg1"/>
+              </a:solidFill>
+            </a:endParaRPr>
           </a:p>
           <a:p>
             <a:endParaRPr lang="en-US" dirty="0">
